--- a/powerpoint/1 welcome.pptx
+++ b/powerpoint/1 welcome.pptx
@@ -10,7 +10,10 @@
     <p:sldId id="261" r:id="rId4"/>
     <p:sldId id="258" r:id="rId5"/>
     <p:sldId id="259" r:id="rId6"/>
-    <p:sldId id="260" r:id="rId7"/>
+    <p:sldId id="262" r:id="rId7"/>
+    <p:sldId id="264" r:id="rId8"/>
+    <p:sldId id="263" r:id="rId9"/>
+    <p:sldId id="260" r:id="rId10"/>
   </p:sldIdLst>
   <p:sldSz cx="9144000" cy="6858000" type="screen4x3"/>
   <p:notesSz cx="6858000" cy="9144000"/>
@@ -16898,6 +16901,734 @@
           <a:p>
             <a:r>
               <a:rPr lang="en-US" dirty="0" smtClean="0"/>
+              <a:t>Your instructors: BALTRAD</a:t>
+            </a:r>
+            <a:endParaRPr lang="en-US" dirty="0"/>
+          </a:p>
+        </p:txBody>
+      </p:sp>
+      <p:sp>
+        <p:nvSpPr>
+          <p:cNvPr id="3" name="Content Placeholder 2"/>
+          <p:cNvSpPr>
+            <a:spLocks noGrp="1"/>
+          </p:cNvSpPr>
+          <p:nvPr>
+            <p:ph idx="1"/>
+          </p:nvPr>
+        </p:nvSpPr>
+        <p:spPr/>
+        <p:txBody>
+          <a:bodyPr>
+            <a:normAutofit lnSpcReduction="10000"/>
+          </a:bodyPr>
+          <a:lstStyle/>
+          <a:p>
+            <a:pPr marL="68580" indent="0">
+              <a:buNone/>
+            </a:pPr>
+            <a:r>
+              <a:rPr lang="en-US" dirty="0"/>
+              <a:t>Daniel Michelson</a:t>
+            </a:r>
+          </a:p>
+          <a:p>
+            <a:pPr marL="68580" indent="0">
+              <a:buNone/>
+            </a:pPr>
+            <a:r>
+              <a:rPr lang="en-US" dirty="0"/>
+              <a:t>Swedish Meteorological and </a:t>
+            </a:r>
+            <a:endParaRPr lang="en-US" dirty="0" smtClean="0"/>
+          </a:p>
+          <a:p>
+            <a:pPr marL="68580" indent="0">
+              <a:buNone/>
+            </a:pPr>
+            <a:r>
+              <a:rPr lang="en-US" dirty="0" smtClean="0"/>
+              <a:t>Hydrological </a:t>
+            </a:r>
+            <a:r>
+              <a:rPr lang="en-US" dirty="0"/>
+              <a:t>Institute</a:t>
+            </a:r>
+            <a:r>
+              <a:rPr lang="en-US" dirty="0"/>
+              <a:t/>
+            </a:r>
+            <a:br>
+              <a:rPr lang="en-US" dirty="0"/>
+            </a:br>
+            <a:r>
+              <a:rPr lang="en-US" dirty="0"/>
+              <a:t>Chair BALTRAD </a:t>
+            </a:r>
+            <a:r>
+              <a:rPr lang="en-US" dirty="0" smtClean="0"/>
+              <a:t>Group</a:t>
+            </a:r>
+          </a:p>
+          <a:p>
+            <a:pPr marL="68580" indent="0">
+              <a:buNone/>
+            </a:pPr>
+            <a:endParaRPr lang="en-US" dirty="0"/>
+          </a:p>
+          <a:p>
+            <a:pPr marL="68580" indent="0">
+              <a:buNone/>
+            </a:pPr>
+            <a:r>
+              <a:rPr lang="en-US" dirty="0"/>
+              <a:t>Anders </a:t>
+            </a:r>
+            <a:r>
+              <a:rPr lang="en-US" dirty="0" err="1"/>
+              <a:t>Henja</a:t>
+            </a:r>
+            <a:endParaRPr lang="en-US" dirty="0"/>
+          </a:p>
+          <a:p>
+            <a:pPr marL="68580" indent="0">
+              <a:buNone/>
+            </a:pPr>
+            <a:r>
+              <a:rPr lang="en-US" dirty="0" err="1"/>
+              <a:t>Henjab</a:t>
+            </a:r>
+            <a:r>
+              <a:rPr lang="en-US" dirty="0"/>
+              <a:t>, AB</a:t>
+            </a:r>
+          </a:p>
+          <a:p>
+            <a:pPr marL="68580" indent="0">
+              <a:buNone/>
+            </a:pPr>
+            <a:r>
+              <a:rPr lang="en-US" dirty="0"/>
+              <a:t>BALTRAD Chief Architect</a:t>
+            </a:r>
+          </a:p>
+          <a:p>
+            <a:pPr marL="68580" indent="0">
+              <a:buNone/>
+            </a:pPr>
+            <a:r>
+              <a:rPr lang="en-US" dirty="0"/>
+              <a:t/>
+            </a:r>
+            <a:br>
+              <a:rPr lang="en-US" dirty="0"/>
+            </a:br>
+            <a:endParaRPr lang="en-US" dirty="0"/>
+          </a:p>
+          <a:p>
+            <a:pPr marL="68580" indent="0">
+              <a:buNone/>
+            </a:pPr>
+            <a:endParaRPr lang="en-US" dirty="0"/>
+          </a:p>
+          <a:p>
+            <a:endParaRPr lang="en-US" dirty="0"/>
+          </a:p>
+        </p:txBody>
+      </p:sp>
+      <p:pic>
+        <p:nvPicPr>
+          <p:cNvPr id="4" name="Picture 3" descr="BALTRAD-logo-large.png"/>
+          <p:cNvPicPr>
+            <a:picLocks noChangeAspect="1"/>
+          </p:cNvPicPr>
+          <p:nvPr/>
+        </p:nvPicPr>
+        <p:blipFill>
+          <a:blip r:embed="rId2">
+            <a:extLst>
+              <a:ext uri="{28A0092B-C50C-407E-A947-70E740481C1C}">
+                <a14:useLocalDpi xmlns:a14="http://schemas.microsoft.com/office/drawing/2010/main" val="0"/>
+              </a:ext>
+            </a:extLst>
+          </a:blip>
+          <a:stretch>
+            <a:fillRect/>
+          </a:stretch>
+        </p:blipFill>
+        <p:spPr>
+          <a:xfrm>
+            <a:off x="3909784" y="1892444"/>
+            <a:ext cx="4952739" cy="2271342"/>
+          </a:xfrm>
+          <a:prstGeom prst="rect">
+            <a:avLst/>
+          </a:prstGeom>
+        </p:spPr>
+      </p:pic>
+    </p:spTree>
+    <p:extLst>
+      <p:ext uri="{BB962C8B-B14F-4D97-AF65-F5344CB8AC3E}">
+        <p14:creationId xmlns:p14="http://schemas.microsoft.com/office/powerpoint/2010/main" val="1883767934"/>
+      </p:ext>
+    </p:extLst>
+  </p:cSld>
+  <p:clrMapOvr>
+    <a:masterClrMapping/>
+  </p:clrMapOvr>
+</p:sld>
+</file>
+
+<file path=ppt/slides/slide7.xml><?xml version="1.0" encoding="utf-8"?>
+<p:sld xmlns:a="http://schemas.openxmlformats.org/drawingml/2006/main" xmlns:r="http://schemas.openxmlformats.org/officeDocument/2006/relationships" xmlns:p="http://schemas.openxmlformats.org/presentationml/2006/main">
+  <p:cSld>
+    <p:spTree>
+      <p:nvGrpSpPr>
+        <p:cNvPr id="1" name=""/>
+        <p:cNvGrpSpPr/>
+        <p:nvPr/>
+      </p:nvGrpSpPr>
+      <p:grpSpPr>
+        <a:xfrm>
+          <a:off x="0" y="0"/>
+          <a:ext cx="0" cy="0"/>
+          <a:chOff x="0" y="0"/>
+          <a:chExt cx="0" cy="0"/>
+        </a:xfrm>
+      </p:grpSpPr>
+      <p:sp>
+        <p:nvSpPr>
+          <p:cNvPr id="2" name="Title 1"/>
+          <p:cNvSpPr>
+            <a:spLocks noGrp="1"/>
+          </p:cNvSpPr>
+          <p:nvPr>
+            <p:ph type="title"/>
+          </p:nvPr>
+        </p:nvSpPr>
+        <p:spPr/>
+        <p:txBody>
+          <a:bodyPr/>
+          <a:lstStyle/>
+          <a:p>
+            <a:r>
+              <a:rPr lang="en-US" dirty="0" smtClean="0"/>
+              <a:t>Your instructors: </a:t>
+            </a:r>
+            <a:r>
+              <a:rPr lang="en-US" dirty="0" err="1" smtClean="0"/>
+              <a:t>wradlib</a:t>
+            </a:r>
+            <a:endParaRPr lang="en-US" dirty="0"/>
+          </a:p>
+        </p:txBody>
+      </p:sp>
+      <p:sp>
+        <p:nvSpPr>
+          <p:cNvPr id="3" name="Content Placeholder 2"/>
+          <p:cNvSpPr>
+            <a:spLocks noGrp="1"/>
+          </p:cNvSpPr>
+          <p:nvPr>
+            <p:ph idx="1"/>
+          </p:nvPr>
+        </p:nvSpPr>
+        <p:spPr/>
+        <p:txBody>
+          <a:bodyPr>
+            <a:normAutofit lnSpcReduction="10000"/>
+          </a:bodyPr>
+          <a:lstStyle/>
+          <a:p>
+            <a:pPr marL="68580" indent="0">
+              <a:buNone/>
+            </a:pPr>
+            <a:r>
+              <a:rPr lang="en-US" dirty="0" err="1"/>
+              <a:t>Maik</a:t>
+            </a:r>
+            <a:r>
+              <a:rPr lang="en-US" dirty="0"/>
+              <a:t> </a:t>
+            </a:r>
+            <a:r>
+              <a:rPr lang="en-US" dirty="0" err="1"/>
+              <a:t>Heistermann</a:t>
+            </a:r>
+            <a:r>
+              <a:rPr lang="en-US" dirty="0"/>
+              <a:t> </a:t>
+            </a:r>
+            <a:br>
+              <a:rPr lang="en-US" dirty="0"/>
+            </a:br>
+            <a:r>
+              <a:rPr lang="en-US" dirty="0"/>
+              <a:t>University of Potsdam, Germany </a:t>
+            </a:r>
+            <a:br>
+              <a:rPr lang="en-US" dirty="0"/>
+            </a:br>
+            <a:r>
+              <a:rPr lang="en-US" dirty="0" err="1"/>
+              <a:t>wradlib</a:t>
+            </a:r>
+            <a:r>
+              <a:rPr lang="en-US" dirty="0"/>
+              <a:t> developer </a:t>
+            </a:r>
+            <a:br>
+              <a:rPr lang="en-US" dirty="0"/>
+            </a:br>
+            <a:r>
+              <a:rPr lang="en-US" dirty="0"/>
+              <a:t/>
+            </a:r>
+            <a:br>
+              <a:rPr lang="en-US" dirty="0"/>
+            </a:br>
+            <a:r>
+              <a:rPr lang="en-US" dirty="0"/>
+              <a:t>Thomas Pfaff </a:t>
+            </a:r>
+            <a:br>
+              <a:rPr lang="en-US" dirty="0"/>
+            </a:br>
+            <a:r>
+              <a:rPr lang="en-US" dirty="0"/>
+              <a:t>Blue Yonder, Germany </a:t>
+            </a:r>
+            <a:br>
+              <a:rPr lang="en-US" dirty="0"/>
+            </a:br>
+            <a:r>
+              <a:rPr lang="en-US" dirty="0" err="1"/>
+              <a:t>wradlib</a:t>
+            </a:r>
+            <a:r>
+              <a:rPr lang="en-US" dirty="0"/>
+              <a:t> developer </a:t>
+            </a:r>
+            <a:br>
+              <a:rPr lang="en-US" dirty="0"/>
+            </a:br>
+            <a:r>
+              <a:rPr lang="en-US" dirty="0"/>
+              <a:t/>
+            </a:r>
+            <a:br>
+              <a:rPr lang="en-US" dirty="0"/>
+            </a:br>
+            <a:r>
+              <a:rPr lang="en-US" dirty="0"/>
+              <a:t>Kai </a:t>
+            </a:r>
+            <a:r>
+              <a:rPr lang="en-US" dirty="0" err="1"/>
+              <a:t>Muehlbauer</a:t>
+            </a:r>
+            <a:r>
+              <a:rPr lang="en-US" dirty="0"/>
+              <a:t> </a:t>
+            </a:r>
+            <a:br>
+              <a:rPr lang="en-US" dirty="0"/>
+            </a:br>
+            <a:r>
+              <a:rPr lang="en-US" dirty="0"/>
+              <a:t>University of Bonn, Germany </a:t>
+            </a:r>
+            <a:br>
+              <a:rPr lang="en-US" dirty="0"/>
+            </a:br>
+            <a:r>
+              <a:rPr lang="en-US" dirty="0" err="1"/>
+              <a:t>wradlib</a:t>
+            </a:r>
+            <a:r>
+              <a:rPr lang="en-US" dirty="0"/>
+              <a:t> developer </a:t>
+            </a:r>
+            <a:br>
+              <a:rPr lang="en-US" dirty="0"/>
+            </a:br>
+            <a:endParaRPr lang="en-US" dirty="0"/>
+          </a:p>
+          <a:p>
+            <a:endParaRPr lang="en-US" dirty="0"/>
+          </a:p>
+        </p:txBody>
+      </p:sp>
+      <p:pic>
+        <p:nvPicPr>
+          <p:cNvPr id="4" name="Picture 3" descr="wradliblogo_small.png"/>
+          <p:cNvPicPr>
+            <a:picLocks noChangeAspect="1"/>
+          </p:cNvPicPr>
+          <p:nvPr/>
+        </p:nvPicPr>
+        <p:blipFill>
+          <a:blip r:embed="rId2">
+            <a:extLst>
+              <a:ext uri="{28A0092B-C50C-407E-A947-70E740481C1C}">
+                <a14:useLocalDpi xmlns:a14="http://schemas.microsoft.com/office/drawing/2010/main" val="0"/>
+              </a:ext>
+            </a:extLst>
+          </a:blip>
+          <a:stretch>
+            <a:fillRect/>
+          </a:stretch>
+        </p:blipFill>
+        <p:spPr>
+          <a:xfrm>
+            <a:off x="5288642" y="1600201"/>
+            <a:ext cx="2585357" cy="2585357"/>
+          </a:xfrm>
+          <a:prstGeom prst="rect">
+            <a:avLst/>
+          </a:prstGeom>
+        </p:spPr>
+      </p:pic>
+    </p:spTree>
+    <p:extLst>
+      <p:ext uri="{BB962C8B-B14F-4D97-AF65-F5344CB8AC3E}">
+        <p14:creationId xmlns:p14="http://schemas.microsoft.com/office/powerpoint/2010/main" val="3863251937"/>
+      </p:ext>
+    </p:extLst>
+  </p:cSld>
+  <p:clrMapOvr>
+    <a:masterClrMapping/>
+  </p:clrMapOvr>
+</p:sld>
+</file>
+
+<file path=ppt/slides/slide8.xml><?xml version="1.0" encoding="utf-8"?>
+<p:sld xmlns:a="http://schemas.openxmlformats.org/drawingml/2006/main" xmlns:r="http://schemas.openxmlformats.org/officeDocument/2006/relationships" xmlns:p="http://schemas.openxmlformats.org/presentationml/2006/main">
+  <p:cSld>
+    <p:spTree>
+      <p:nvGrpSpPr>
+        <p:cNvPr id="1" name=""/>
+        <p:cNvGrpSpPr/>
+        <p:nvPr/>
+      </p:nvGrpSpPr>
+      <p:grpSpPr>
+        <a:xfrm>
+          <a:off x="0" y="0"/>
+          <a:ext cx="0" cy="0"/>
+          <a:chOff x="0" y="0"/>
+          <a:chExt cx="0" cy="0"/>
+        </a:xfrm>
+      </p:grpSpPr>
+      <p:sp>
+        <p:nvSpPr>
+          <p:cNvPr id="7" name="Rectangle 6"/>
+          <p:cNvSpPr/>
+          <p:nvPr/>
+        </p:nvSpPr>
+        <p:spPr>
+          <a:xfrm>
+            <a:off x="4454071" y="1324429"/>
+            <a:ext cx="4200072" cy="3800928"/>
+          </a:xfrm>
+          <a:prstGeom prst="rect">
+            <a:avLst/>
+          </a:prstGeom>
+          <a:solidFill>
+            <a:schemeClr val="tx1">
+              <a:lumMod val="95000"/>
+            </a:schemeClr>
+          </a:solidFill>
+        </p:spPr>
+        <p:style>
+          <a:lnRef idx="1">
+            <a:schemeClr val="accent1"/>
+          </a:lnRef>
+          <a:fillRef idx="3">
+            <a:schemeClr val="accent1"/>
+          </a:fillRef>
+          <a:effectRef idx="2">
+            <a:schemeClr val="accent1"/>
+          </a:effectRef>
+          <a:fontRef idx="minor">
+            <a:schemeClr val="lt1"/>
+          </a:fontRef>
+        </p:style>
+        <p:txBody>
+          <a:bodyPr rtlCol="0" anchor="ctr"/>
+          <a:lstStyle/>
+          <a:p>
+            <a:pPr algn="ctr"/>
+            <a:endParaRPr lang="en-US"/>
+          </a:p>
+        </p:txBody>
+      </p:sp>
+      <p:sp>
+        <p:nvSpPr>
+          <p:cNvPr id="2" name="Title 1"/>
+          <p:cNvSpPr>
+            <a:spLocks noGrp="1"/>
+          </p:cNvSpPr>
+          <p:nvPr>
+            <p:ph type="title"/>
+          </p:nvPr>
+        </p:nvSpPr>
+        <p:spPr/>
+        <p:txBody>
+          <a:bodyPr/>
+          <a:lstStyle/>
+          <a:p>
+            <a:r>
+              <a:rPr lang="en-US" dirty="0" smtClean="0"/>
+              <a:t>Your instructors: </a:t>
+            </a:r>
+            <a:r>
+              <a:rPr lang="en-US" dirty="0" err="1" smtClean="0"/>
+              <a:t>Py</a:t>
+            </a:r>
+            <a:r>
+              <a:rPr lang="en-US" dirty="0" smtClean="0"/>
+              <a:t>-ART</a:t>
+            </a:r>
+            <a:endParaRPr lang="en-US" dirty="0"/>
+          </a:p>
+        </p:txBody>
+      </p:sp>
+      <p:sp>
+        <p:nvSpPr>
+          <p:cNvPr id="3" name="Content Placeholder 2"/>
+          <p:cNvSpPr>
+            <a:spLocks noGrp="1"/>
+          </p:cNvSpPr>
+          <p:nvPr>
+            <p:ph idx="1"/>
+          </p:nvPr>
+        </p:nvSpPr>
+        <p:spPr/>
+        <p:txBody>
+          <a:bodyPr>
+            <a:normAutofit/>
+          </a:bodyPr>
+          <a:lstStyle/>
+          <a:p>
+            <a:pPr marL="68580" indent="0">
+              <a:buNone/>
+            </a:pPr>
+            <a:r>
+              <a:rPr lang="en-US" dirty="0" smtClean="0"/>
+              <a:t>Scott Collis</a:t>
+            </a:r>
+            <a:endParaRPr lang="en-US" dirty="0"/>
+          </a:p>
+          <a:p>
+            <a:pPr marL="68580" indent="0">
+              <a:buNone/>
+            </a:pPr>
+            <a:r>
+              <a:rPr lang="en-US" dirty="0" smtClean="0"/>
+              <a:t>Argonne National Laboratory</a:t>
+            </a:r>
+          </a:p>
+          <a:p>
+            <a:pPr marL="68580" indent="0">
+              <a:buNone/>
+            </a:pPr>
+            <a:r>
+              <a:rPr lang="en-US" dirty="0" smtClean="0"/>
+              <a:t>ARM Radar Translator </a:t>
+            </a:r>
+            <a:endParaRPr lang="en-US" dirty="0"/>
+          </a:p>
+          <a:p>
+            <a:pPr marL="68580" indent="0">
+              <a:buNone/>
+            </a:pPr>
+            <a:r>
+              <a:rPr lang="en-US" dirty="0" smtClean="0"/>
+              <a:t>Science Lead </a:t>
+            </a:r>
+            <a:r>
+              <a:rPr lang="en-US" dirty="0" err="1" smtClean="0"/>
+              <a:t>Py</a:t>
+            </a:r>
+            <a:r>
+              <a:rPr lang="en-US" dirty="0" smtClean="0"/>
+              <a:t>-ART</a:t>
+            </a:r>
+          </a:p>
+          <a:p>
+            <a:pPr marL="68580" indent="0">
+              <a:buNone/>
+            </a:pPr>
+            <a:endParaRPr lang="en-US" dirty="0"/>
+          </a:p>
+          <a:p>
+            <a:pPr marL="68580" indent="0">
+              <a:buNone/>
+            </a:pPr>
+            <a:r>
+              <a:rPr lang="en-US" dirty="0" smtClean="0"/>
+              <a:t>Jonathan </a:t>
+            </a:r>
+            <a:r>
+              <a:rPr lang="en-US" dirty="0" err="1" smtClean="0"/>
+              <a:t>Helmus</a:t>
+            </a:r>
+            <a:endParaRPr lang="en-US" dirty="0" smtClean="0"/>
+          </a:p>
+          <a:p>
+            <a:pPr marL="68580" indent="0">
+              <a:buNone/>
+            </a:pPr>
+            <a:r>
+              <a:rPr lang="en-US" dirty="0" smtClean="0"/>
+              <a:t>Argonne National Laboratory</a:t>
+            </a:r>
+          </a:p>
+          <a:p>
+            <a:pPr marL="68580" indent="0">
+              <a:buNone/>
+            </a:pPr>
+            <a:r>
+              <a:rPr lang="en-US" dirty="0" smtClean="0"/>
+              <a:t>ARM Developer</a:t>
+            </a:r>
+          </a:p>
+          <a:p>
+            <a:pPr marL="68580" indent="0">
+              <a:buNone/>
+            </a:pPr>
+            <a:r>
+              <a:rPr lang="en-US" dirty="0" smtClean="0"/>
+              <a:t>Development lead </a:t>
+            </a:r>
+            <a:r>
+              <a:rPr lang="en-US" dirty="0" err="1" smtClean="0"/>
+              <a:t>Py</a:t>
+            </a:r>
+            <a:r>
+              <a:rPr lang="en-US" dirty="0" smtClean="0"/>
+              <a:t>-ART</a:t>
+            </a:r>
+            <a:endParaRPr lang="en-US" dirty="0"/>
+          </a:p>
+          <a:p>
+            <a:pPr marL="68580" indent="0">
+              <a:buNone/>
+            </a:pPr>
+            <a:endParaRPr lang="en-US" dirty="0"/>
+          </a:p>
+          <a:p>
+            <a:endParaRPr lang="en-US" dirty="0"/>
+          </a:p>
+        </p:txBody>
+      </p:sp>
+      <p:pic>
+        <p:nvPicPr>
+          <p:cNvPr id="5" name="Picture 4" descr="argonne_logo.gif"/>
+          <p:cNvPicPr>
+            <a:picLocks noChangeAspect="1"/>
+          </p:cNvPicPr>
+          <p:nvPr/>
+        </p:nvPicPr>
+        <p:blipFill>
+          <a:blip r:embed="rId2">
+            <a:extLst>
+              <a:ext uri="{28A0092B-C50C-407E-A947-70E740481C1C}">
+                <a14:useLocalDpi xmlns:a14="http://schemas.microsoft.com/office/drawing/2010/main" val="0"/>
+              </a:ext>
+            </a:extLst>
+          </a:blip>
+          <a:stretch>
+            <a:fillRect/>
+          </a:stretch>
+        </p:blipFill>
+        <p:spPr>
+          <a:xfrm>
+            <a:off x="4702116" y="1502696"/>
+            <a:ext cx="3407741" cy="1282914"/>
+          </a:xfrm>
+          <a:prstGeom prst="rect">
+            <a:avLst/>
+          </a:prstGeom>
+        </p:spPr>
+      </p:pic>
+      <p:pic>
+        <p:nvPicPr>
+          <p:cNvPr id="6" name="Picture 5" descr="arm_logo.png"/>
+          <p:cNvPicPr>
+            <a:picLocks noChangeAspect="1"/>
+          </p:cNvPicPr>
+          <p:nvPr/>
+        </p:nvPicPr>
+        <p:blipFill>
+          <a:blip r:embed="rId3">
+            <a:extLst>
+              <a:ext uri="{28A0092B-C50C-407E-A947-70E740481C1C}">
+                <a14:useLocalDpi xmlns:a14="http://schemas.microsoft.com/office/drawing/2010/main" val="0"/>
+              </a:ext>
+            </a:extLst>
+          </a:blip>
+          <a:stretch>
+            <a:fillRect/>
+          </a:stretch>
+        </p:blipFill>
+        <p:spPr>
+          <a:xfrm>
+            <a:off x="4780282" y="3370036"/>
+            <a:ext cx="3482882" cy="1102178"/>
+          </a:xfrm>
+          <a:prstGeom prst="rect">
+            <a:avLst/>
+          </a:prstGeom>
+        </p:spPr>
+      </p:pic>
+    </p:spTree>
+    <p:extLst>
+      <p:ext uri="{BB962C8B-B14F-4D97-AF65-F5344CB8AC3E}">
+        <p14:creationId xmlns:p14="http://schemas.microsoft.com/office/powerpoint/2010/main" val="3131440587"/>
+      </p:ext>
+    </p:extLst>
+  </p:cSld>
+  <p:clrMapOvr>
+    <a:masterClrMapping/>
+  </p:clrMapOvr>
+</p:sld>
+</file>
+
+<file path=ppt/slides/slide9.xml><?xml version="1.0" encoding="utf-8"?>
+<p:sld xmlns:a="http://schemas.openxmlformats.org/drawingml/2006/main" xmlns:r="http://schemas.openxmlformats.org/officeDocument/2006/relationships" xmlns:p="http://schemas.openxmlformats.org/presentationml/2006/main">
+  <p:cSld>
+    <p:spTree>
+      <p:nvGrpSpPr>
+        <p:cNvPr id="1" name=""/>
+        <p:cNvGrpSpPr/>
+        <p:nvPr/>
+      </p:nvGrpSpPr>
+      <p:grpSpPr>
+        <a:xfrm>
+          <a:off x="0" y="0"/>
+          <a:ext cx="0" cy="0"/>
+          <a:chOff x="0" y="0"/>
+          <a:chExt cx="0" cy="0"/>
+        </a:xfrm>
+      </p:grpSpPr>
+      <p:sp>
+        <p:nvSpPr>
+          <p:cNvPr id="2" name="Title 1"/>
+          <p:cNvSpPr>
+            <a:spLocks noGrp="1"/>
+          </p:cNvSpPr>
+          <p:nvPr>
+            <p:ph type="title"/>
+          </p:nvPr>
+        </p:nvSpPr>
+        <p:spPr/>
+        <p:txBody>
+          <a:bodyPr/>
+          <a:lstStyle/>
+          <a:p>
+            <a:r>
+              <a:rPr lang="en-US" dirty="0" smtClean="0"/>
               <a:t>Survey</a:t>
             </a:r>
             <a:endParaRPr lang="en-US" dirty="0"/>

--- a/powerpoint/1 welcome.pptx
+++ b/powerpoint/1 welcome.pptx
@@ -16340,7 +16340,32 @@
           <a:p>
             <a:r>
               <a:rPr lang="en-US" dirty="0" smtClean="0"/>
-              <a:t>Collaboration between EU and USA (Aussie!)</a:t>
+              <a:t>Collaboration between </a:t>
+            </a:r>
+            <a:r>
+              <a:rPr lang="en-US" dirty="0" smtClean="0"/>
+              <a:t>Europe and </a:t>
+            </a:r>
+          </a:p>
+          <a:p>
+            <a:pPr marL="68580" indent="0">
+              <a:buNone/>
+            </a:pPr>
+            <a:r>
+              <a:rPr lang="en-US" dirty="0"/>
+              <a:t> </a:t>
+            </a:r>
+            <a:r>
+              <a:rPr lang="en-US" dirty="0" smtClean="0"/>
+              <a:t>   </a:t>
+            </a:r>
+            <a:r>
+              <a:rPr lang="en-US" dirty="0" smtClean="0"/>
+              <a:t>USA </a:t>
+            </a:r>
+            <a:r>
+              <a:rPr lang="en-US" dirty="0" smtClean="0"/>
+              <a:t>(Aussie!)</a:t>
             </a:r>
           </a:p>
           <a:p>
@@ -16829,8 +16854,8 @@
               <a:t>Hands on </a:t>
             </a:r>
             <a:r>
-              <a:rPr lang="en-US" dirty="0" err="1" smtClean="0"/>
-              <a:t>Baltrad</a:t>
+              <a:rPr lang="en-US" dirty="0" smtClean="0"/>
+              <a:t>BALTRAD</a:t>
             </a:r>
             <a:endParaRPr lang="en-US" dirty="0" smtClean="0"/>
           </a:p>
@@ -16925,6 +16950,9 @@
           <a:lstStyle/>
           <a:p>
             <a:pPr marL="68580" indent="0">
+              <a:lnSpc>
+                <a:spcPct val="110000"/>
+              </a:lnSpc>
               <a:buNone/>
             </a:pPr>
             <a:r>
@@ -16934,6 +16962,9 @@
           </a:p>
           <a:p>
             <a:pPr marL="68580" indent="0">
+              <a:lnSpc>
+                <a:spcPct val="110000"/>
+              </a:lnSpc>
               <a:buNone/>
             </a:pPr>
             <a:r>
@@ -16944,6 +16975,9 @@
           </a:p>
           <a:p>
             <a:pPr marL="68580" indent="0">
+              <a:lnSpc>
+                <a:spcPct val="110000"/>
+              </a:lnSpc>
               <a:buNone/>
             </a:pPr>
             <a:r>
@@ -16953,10 +16987,6 @@
             <a:r>
               <a:rPr lang="en-US" dirty="0"/>
               <a:t>Institute</a:t>
-            </a:r>
-            <a:r>
-              <a:rPr lang="en-US" dirty="0"/>
-              <a:t/>
             </a:r>
             <a:br>
               <a:rPr lang="en-US" dirty="0"/>
@@ -16972,12 +17002,18 @@
           </a:p>
           <a:p>
             <a:pPr marL="68580" indent="0">
+              <a:lnSpc>
+                <a:spcPct val="110000"/>
+              </a:lnSpc>
               <a:buNone/>
             </a:pPr>
             <a:endParaRPr lang="en-US" dirty="0"/>
           </a:p>
           <a:p>
             <a:pPr marL="68580" indent="0">
+              <a:lnSpc>
+                <a:spcPct val="110000"/>
+              </a:lnSpc>
               <a:buNone/>
             </a:pPr>
             <a:r>
@@ -16992,6 +17028,9 @@
           </a:p>
           <a:p>
             <a:pPr marL="68580" indent="0">
+              <a:lnSpc>
+                <a:spcPct val="110000"/>
+              </a:lnSpc>
               <a:buNone/>
             </a:pPr>
             <a:r>
@@ -17005,6 +17044,9 @@
           </a:p>
           <a:p>
             <a:pPr marL="68580" indent="0">
+              <a:lnSpc>
+                <a:spcPct val="110000"/>
+              </a:lnSpc>
               <a:buNone/>
             </a:pPr>
             <a:r>
